--- a/paper/tables.pptx
+++ b/paper/tables.pptx
@@ -6,6 +6,7 @@
   </p:sldMasterIdLst>
   <p:sldIdLst>
     <p:sldId id="256" r:id="rId2"/>
+    <p:sldId id="257" r:id="rId3"/>
   </p:sldIdLst>
   <p:sldSz cx="9144000" cy="6858000" type="screen4x3"/>
   <p:notesSz cx="6858000" cy="9144000"/>
@@ -3646,6 +3647,331 @@
 </p:sld>
 </file>
 
+<file path=ppt/slides/slide2.xml><?xml version="1.0" encoding="utf-8"?>
+<p:sld xmlns:a="http://schemas.openxmlformats.org/drawingml/2006/main" xmlns:r="http://schemas.openxmlformats.org/officeDocument/2006/relationships" xmlns:p="http://schemas.openxmlformats.org/presentationml/2006/main">
+  <p:cSld>
+    <p:spTree>
+      <p:nvGrpSpPr>
+        <p:cNvPr id="1" name=""/>
+        <p:cNvGrpSpPr/>
+        <p:nvPr/>
+      </p:nvGrpSpPr>
+      <p:grpSpPr>
+        <a:xfrm>
+          <a:off x="0" y="0"/>
+          <a:ext cx="0" cy="0"/>
+          <a:chOff x="0" y="0"/>
+          <a:chExt cx="0" cy="0"/>
+        </a:xfrm>
+      </p:grpSpPr>
+      <p:graphicFrame>
+        <p:nvGraphicFramePr>
+          <p:cNvPr id="4" name="Table 3"/>
+          <p:cNvGraphicFramePr>
+            <a:graphicFrameLocks noGrp="1"/>
+          </p:cNvGraphicFramePr>
+          <p:nvPr>
+            <p:extLst>
+              <p:ext uri="{D42A27DB-BD31-4B8C-83A1-F6EECF244321}">
+                <p14:modId xmlns:p14="http://schemas.microsoft.com/office/powerpoint/2010/main" val="269469185"/>
+              </p:ext>
+            </p:extLst>
+          </p:nvPr>
+        </p:nvGraphicFramePr>
+        <p:xfrm>
+          <a:off x="1524000" y="1397000"/>
+          <a:ext cx="6248400" cy="2966720"/>
+        </p:xfrm>
+        <a:graphic>
+          <a:graphicData uri="http://schemas.openxmlformats.org/drawingml/2006/table">
+            <a:tbl>
+              <a:tblPr firstRow="1" bandRow="1">
+                <a:tableStyleId>{5C22544A-7EE6-4342-B048-85BDC9FD1C3A}</a:tableStyleId>
+              </a:tblPr>
+              <a:tblGrid>
+                <a:gridCol w="3124200"/>
+                <a:gridCol w="3124200"/>
+              </a:tblGrid>
+              <a:tr h="370840">
+                <a:tc>
+                  <a:txBody>
+                    <a:bodyPr/>
+                    <a:lstStyle/>
+                    <a:p>
+                      <a:pPr algn="ctr"/>
+                      <a:r>
+                        <a:rPr lang="en-US" dirty="0" smtClean="0"/>
+                        <a:t># errors</a:t>
+                      </a:r>
+                      <a:r>
+                        <a:rPr lang="en-US" baseline="0" dirty="0" smtClean="0"/>
+                        <a:t> (L/R, U/D)</a:t>
+                      </a:r>
+                      <a:endParaRPr lang="en-US" dirty="0"/>
+                    </a:p>
+                  </a:txBody>
+                  <a:tcPr/>
+                </a:tc>
+                <a:tc>
+                  <a:txBody>
+                    <a:bodyPr/>
+                    <a:lstStyle/>
+                    <a:p>
+                      <a:pPr algn="ctr"/>
+                      <a:r>
+                        <a:rPr lang="en-US" dirty="0" smtClean="0"/>
+                        <a:t>Recovered</a:t>
+                      </a:r>
+                      <a:r>
+                        <a:rPr lang="en-US" baseline="0" dirty="0" smtClean="0"/>
+                        <a:t> Words Accuracy (%)</a:t>
+                      </a:r>
+                      <a:endParaRPr lang="en-US" dirty="0"/>
+                    </a:p>
+                  </a:txBody>
+                  <a:tcPr/>
+                </a:tc>
+              </a:tr>
+              <a:tr h="370840">
+                <a:tc>
+                  <a:txBody>
+                    <a:bodyPr/>
+                    <a:lstStyle/>
+                    <a:p>
+                      <a:pPr algn="ctr"/>
+                      <a:r>
+                        <a:rPr lang="en-US" dirty="0" smtClean="0"/>
+                        <a:t>0</a:t>
+                      </a:r>
+                    </a:p>
+                  </a:txBody>
+                  <a:tcPr/>
+                </a:tc>
+                <a:tc>
+                  <a:txBody>
+                    <a:bodyPr/>
+                    <a:lstStyle/>
+                    <a:p>
+                      <a:pPr algn="ctr"/>
+                      <a:r>
+                        <a:rPr lang="en-US" dirty="0" smtClean="0"/>
+                        <a:t>5.46</a:t>
+                      </a:r>
+                      <a:endParaRPr lang="en-US" dirty="0"/>
+                    </a:p>
+                  </a:txBody>
+                  <a:tcPr/>
+                </a:tc>
+              </a:tr>
+              <a:tr h="370840">
+                <a:tc>
+                  <a:txBody>
+                    <a:bodyPr/>
+                    <a:lstStyle/>
+                    <a:p>
+                      <a:pPr algn="ctr"/>
+                      <a:r>
+                        <a:rPr lang="en-US" dirty="0" smtClean="0"/>
+                        <a:t>1</a:t>
+                      </a:r>
+                      <a:endParaRPr lang="en-US" dirty="0"/>
+                    </a:p>
+                  </a:txBody>
+                  <a:tcPr/>
+                </a:tc>
+                <a:tc>
+                  <a:txBody>
+                    <a:bodyPr/>
+                    <a:lstStyle/>
+                    <a:p>
+                      <a:pPr algn="ctr"/>
+                      <a:r>
+                        <a:rPr lang="en-US" dirty="0" smtClean="0"/>
+                        <a:t>23.41</a:t>
+                      </a:r>
+                      <a:endParaRPr lang="en-US" dirty="0"/>
+                    </a:p>
+                  </a:txBody>
+                  <a:tcPr/>
+                </a:tc>
+              </a:tr>
+              <a:tr h="370840">
+                <a:tc>
+                  <a:txBody>
+                    <a:bodyPr/>
+                    <a:lstStyle/>
+                    <a:p>
+                      <a:pPr algn="ctr"/>
+                      <a:r>
+                        <a:rPr lang="en-US" dirty="0" smtClean="0"/>
+                        <a:t>2</a:t>
+                      </a:r>
+                      <a:endParaRPr lang="en-US" dirty="0"/>
+                    </a:p>
+                  </a:txBody>
+                  <a:tcPr/>
+                </a:tc>
+                <a:tc>
+                  <a:txBody>
+                    <a:bodyPr/>
+                    <a:lstStyle/>
+                    <a:p>
+                      <a:pPr algn="ctr"/>
+                      <a:r>
+                        <a:rPr lang="en-US" dirty="0" smtClean="0"/>
+                        <a:t>41.64</a:t>
+                      </a:r>
+                      <a:endParaRPr lang="en-US" dirty="0"/>
+                    </a:p>
+                  </a:txBody>
+                  <a:tcPr/>
+                </a:tc>
+              </a:tr>
+              <a:tr h="370840">
+                <a:tc>
+                  <a:txBody>
+                    <a:bodyPr/>
+                    <a:lstStyle/>
+                    <a:p>
+                      <a:pPr algn="ctr"/>
+                      <a:r>
+                        <a:rPr lang="en-US" dirty="0" smtClean="0"/>
+                        <a:t>3</a:t>
+                      </a:r>
+                      <a:endParaRPr lang="en-US" dirty="0"/>
+                    </a:p>
+                  </a:txBody>
+                  <a:tcPr/>
+                </a:tc>
+                <a:tc>
+                  <a:txBody>
+                    <a:bodyPr/>
+                    <a:lstStyle/>
+                    <a:p>
+                      <a:pPr algn="ctr"/>
+                      <a:r>
+                        <a:rPr lang="en-US" dirty="0" smtClean="0"/>
+                        <a:t>70.31</a:t>
+                      </a:r>
+                      <a:endParaRPr lang="en-US" dirty="0"/>
+                    </a:p>
+                  </a:txBody>
+                  <a:tcPr/>
+                </a:tc>
+              </a:tr>
+              <a:tr h="370840">
+                <a:tc>
+                  <a:txBody>
+                    <a:bodyPr/>
+                    <a:lstStyle/>
+                    <a:p>
+                      <a:pPr algn="ctr"/>
+                      <a:r>
+                        <a:rPr lang="en-US" dirty="0" smtClean="0"/>
+                        <a:t>4</a:t>
+                      </a:r>
+                      <a:endParaRPr lang="en-US" dirty="0"/>
+                    </a:p>
+                  </a:txBody>
+                  <a:tcPr/>
+                </a:tc>
+                <a:tc>
+                  <a:txBody>
+                    <a:bodyPr/>
+                    <a:lstStyle/>
+                    <a:p>
+                      <a:pPr algn="ctr"/>
+                      <a:r>
+                        <a:rPr lang="en-US" dirty="0" smtClean="0"/>
+                        <a:t>85.67</a:t>
+                      </a:r>
+                      <a:endParaRPr lang="en-US" dirty="0"/>
+                    </a:p>
+                  </a:txBody>
+                  <a:tcPr/>
+                </a:tc>
+              </a:tr>
+              <a:tr h="370840">
+                <a:tc>
+                  <a:txBody>
+                    <a:bodyPr/>
+                    <a:lstStyle/>
+                    <a:p>
+                      <a:pPr algn="ctr"/>
+                      <a:r>
+                        <a:rPr lang="en-US" dirty="0" smtClean="0"/>
+                        <a:t>5</a:t>
+                      </a:r>
+                      <a:endParaRPr lang="en-US" dirty="0"/>
+                    </a:p>
+                  </a:txBody>
+                  <a:tcPr/>
+                </a:tc>
+                <a:tc>
+                  <a:txBody>
+                    <a:bodyPr/>
+                    <a:lstStyle/>
+                    <a:p>
+                      <a:pPr algn="ctr"/>
+                      <a:r>
+                        <a:rPr lang="en-US" dirty="0" smtClean="0"/>
+                        <a:t>94.54</a:t>
+                      </a:r>
+                      <a:endParaRPr lang="en-US" dirty="0"/>
+                    </a:p>
+                  </a:txBody>
+                  <a:tcPr/>
+                </a:tc>
+              </a:tr>
+              <a:tr h="370840">
+                <a:tc>
+                  <a:txBody>
+                    <a:bodyPr/>
+                    <a:lstStyle/>
+                    <a:p>
+                      <a:pPr algn="ctr"/>
+                      <a:r>
+                        <a:rPr lang="en-US" dirty="0" smtClean="0"/>
+                        <a:t>6</a:t>
+                      </a:r>
+                      <a:endParaRPr lang="en-US" dirty="0"/>
+                    </a:p>
+                  </a:txBody>
+                  <a:tcPr/>
+                </a:tc>
+                <a:tc>
+                  <a:txBody>
+                    <a:bodyPr/>
+                    <a:lstStyle/>
+                    <a:p>
+                      <a:pPr algn="ctr"/>
+                      <a:r>
+                        <a:rPr lang="en-US" dirty="0" smtClean="0"/>
+                        <a:t>97.27</a:t>
+                      </a:r>
+                      <a:endParaRPr lang="en-US" dirty="0"/>
+                    </a:p>
+                  </a:txBody>
+                  <a:tcPr/>
+                </a:tc>
+              </a:tr>
+            </a:tbl>
+          </a:graphicData>
+        </a:graphic>
+      </p:graphicFrame>
+    </p:spTree>
+    <p:extLst>
+      <p:ext uri="{BB962C8B-B14F-4D97-AF65-F5344CB8AC3E}">
+        <p14:creationId xmlns:p14="http://schemas.microsoft.com/office/powerpoint/2010/main" val="2064629945"/>
+      </p:ext>
+    </p:extLst>
+  </p:cSld>
+  <p:clrMapOvr>
+    <a:masterClrMapping/>
+  </p:clrMapOvr>
+</p:sld>
+</file>
+
 <file path=ppt/theme/theme1.xml><?xml version="1.0" encoding="utf-8"?>
 <a:theme xmlns:a="http://schemas.openxmlformats.org/drawingml/2006/main" name="Office Theme">
   <a:themeElements>
